--- a/tutorial/pwa.pptx
+++ b/tutorial/pwa.pptx
@@ -5,13 +5,15 @@
     <p:sldMasterId id="2147483648" r:id="rId4"/>
   </p:sldMasterIdLst>
   <p:notesMasterIdLst>
-    <p:notesMasterId r:id="rId9"/>
+    <p:notesMasterId r:id="rId11"/>
   </p:notesMasterIdLst>
   <p:sldIdLst>
     <p:sldId id="295" r:id="rId5"/>
     <p:sldId id="296" r:id="rId6"/>
     <p:sldId id="297" r:id="rId7"/>
     <p:sldId id="298" r:id="rId8"/>
+    <p:sldId id="299" r:id="rId9"/>
+    <p:sldId id="300" r:id="rId10"/>
   </p:sldIdLst>
   <p:sldSz cx="12192000" cy="6858000"/>
   <p:notesSz cx="6858000" cy="9144000"/>
@@ -212,7 +214,7 @@
             <a:fld id="{C3966A99-2D78-4616-8276-55C37FA545CC}" type="datetimeFigureOut">
               <a:rPr lang="pt-BR" smtClean="0"/>
               <a:pPr/>
-              <a:t>14/06/2024</a:t>
+              <a:t>02/08/2024</a:t>
             </a:fld>
             <a:endParaRPr lang="pt-BR"/>
           </a:p>
@@ -529,6 +531,38 @@
           <a:bodyPr/>
           <a:lstStyle/>
           <a:p>
+            <a:r>
+              <a:rPr lang="pt-BR" dirty="0"/>
+              <a:t>Olá! Eu sou o </a:t>
+            </a:r>
+            <a:r>
+              <a:rPr lang="pt-BR" dirty="0" err="1"/>
+              <a:t>prof</a:t>
+            </a:r>
+            <a:r>
+              <a:rPr lang="pt-BR" dirty="0"/>
+              <a:t> José de Assis, boas-vindas ao curso: Desenvolvimento de Aplicativos WEB Progressivos (PWA). Um Aplicativo Web Progressivo (PWA) é uma aplicação web que utiliza tecnologias modernas para oferecer uma experiência similar à de um aplicativo nativo. Ele pode ser acessado via navegador e instalado no dispositivo do usuário, permitindo funcionamento offline, notificações </a:t>
+            </a:r>
+            <a:r>
+              <a:rPr lang="pt-BR" dirty="0" err="1"/>
+              <a:t>push</a:t>
+            </a:r>
+            <a:r>
+              <a:rPr lang="pt-BR" dirty="0"/>
+              <a:t> e carregamento rápido. Além disso, os </a:t>
+            </a:r>
+            <a:r>
+              <a:rPr lang="pt-BR" dirty="0" err="1"/>
+              <a:t>PWAs</a:t>
+            </a:r>
+            <a:r>
+              <a:rPr lang="pt-BR" dirty="0"/>
+              <a:t> podem acessar recursos de hardware do dispositivo, como a câmera e a geolocalização. </a:t>
+            </a:r>
+            <a:r>
+              <a:rPr lang="pt-BR"/>
+              <a:t>Eles combinam o melhor dos sites e dos aplicativos nativos, oferecendo uma experiência de usuário avançada e fluida.</a:t>
+            </a:r>
             <a:endParaRPr lang="pt-BR" dirty="0"/>
           </a:p>
         </p:txBody>
@@ -763,7 +797,59 @@
                 </a:highlight>
                 <a:latin typeface="Inter"/>
               </a:rPr>
-              <a:t>Tradicionalmente, os sites são menos parecidos com “algo que o usuário tem” e mais com “algum lugar que o usuário visita”. Normalmente, um site: não está presente no dispositivo do usuário quando o usuário não está acessando, e só pode ser acessado pelo usuário abrindo o navegador e navegando até o site. O site é altamente dependente da conectividade de rede.</a:t>
+              <a:t>Tradicionalmente, os sites são menos parecidos com “algo que o usuário tem” e mais com “algum lugar que o usuário visita”. Normalmente, um site: não está presente no dispositivo do usuário quando o usuário não está acessando, e só pode ser acessado pelo usuário abrindo o navegador e navegando até o site. O site é altamente </a:t>
+            </a:r>
+            <a:r>
+              <a:rPr lang="pt-BR" b="0" i="0" dirty="0" err="1">
+                <a:solidFill>
+                  <a:srgbClr val="FFFFFF"/>
+                </a:solidFill>
+                <a:effectLst/>
+                <a:highlight>
+                  <a:srgbClr val="1B1B1B"/>
+                </a:highlight>
+                <a:latin typeface="Inter"/>
+              </a:rPr>
+              <a:t>dpendente</a:t>
+            </a:r>
+            <a:r>
+              <a:rPr lang="pt-BR" b="0" i="0" dirty="0">
+                <a:solidFill>
+                  <a:srgbClr val="FFFFFF"/>
+                </a:solidFill>
+                <a:effectLst/>
+                <a:highlight>
+                  <a:srgbClr val="1B1B1B"/>
+                </a:highlight>
+                <a:latin typeface="Inter"/>
+              </a:rPr>
+              <a:t> da conectividade de rede, ou seja </a:t>
+            </a:r>
+            <a:r>
+              <a:rPr lang="pt-BR" b="0" i="0" dirty="0" err="1">
+                <a:solidFill>
+                  <a:srgbClr val="FFFFFF"/>
+                </a:solidFill>
+                <a:effectLst/>
+                <a:highlight>
+                  <a:srgbClr val="1B1B1B"/>
+                </a:highlight>
+                <a:latin typeface="Inter"/>
+              </a:rPr>
+              <a:t>vc</a:t>
+            </a:r>
+            <a:r>
+              <a:rPr lang="pt-BR" b="0" i="0" dirty="0">
+                <a:solidFill>
+                  <a:srgbClr val="FFFFFF"/>
+                </a:solidFill>
+                <a:effectLst/>
+                <a:highlight>
+                  <a:srgbClr val="1B1B1B"/>
+                </a:highlight>
+                <a:latin typeface="Inter"/>
+              </a:rPr>
+              <a:t> só consegue acessar o site se estiver conectado a internet</a:t>
             </a:r>
             <a:endParaRPr lang="pt-BR" dirty="0"/>
           </a:p>
@@ -855,7 +941,10 @@
           <a:bodyPr/>
           <a:lstStyle/>
           <a:p>
-            <a:endParaRPr lang="pt-BR" dirty="0"/>
+            <a:r>
+              <a:rPr lang="pt-BR" dirty="0"/>
+              <a:t>Progressive Web App é uma aplicação web avançada que pode ser instalada no dispositivo, oferecendo uma experiência similar à de um aplicativo nativo.</a:t>
+            </a:r>
           </a:p>
         </p:txBody>
       </p:sp>
@@ -887,6 +976,186 @@
     <p:extLst>
       <p:ext uri="{BB962C8B-B14F-4D97-AF65-F5344CB8AC3E}">
         <p14:creationId xmlns:p14="http://schemas.microsoft.com/office/powerpoint/2010/main" val="464684321"/>
+      </p:ext>
+    </p:extLst>
+  </p:cSld>
+  <p:clrMapOvr>
+    <a:masterClrMapping/>
+  </p:clrMapOvr>
+</p:notes>
+</file>
+
+<file path=ppt/notesSlides/notesSlide5.xml><?xml version="1.0" encoding="utf-8"?>
+<p:notes xmlns:a="http://schemas.openxmlformats.org/drawingml/2006/main" xmlns:r="http://schemas.openxmlformats.org/officeDocument/2006/relationships" xmlns:p="http://schemas.openxmlformats.org/presentationml/2006/main">
+  <p:cSld>
+    <p:spTree>
+      <p:nvGrpSpPr>
+        <p:cNvPr id="1" name=""/>
+        <p:cNvGrpSpPr/>
+        <p:nvPr/>
+      </p:nvGrpSpPr>
+      <p:grpSpPr>
+        <a:xfrm>
+          <a:off x="0" y="0"/>
+          <a:ext cx="0" cy="0"/>
+          <a:chOff x="0" y="0"/>
+          <a:chExt cx="0" cy="0"/>
+        </a:xfrm>
+      </p:grpSpPr>
+      <p:sp>
+        <p:nvSpPr>
+          <p:cNvPr id="2" name="Espaço Reservado para Imagem de Slide 1"/>
+          <p:cNvSpPr>
+            <a:spLocks noGrp="1" noRot="1" noChangeAspect="1"/>
+          </p:cNvSpPr>
+          <p:nvPr>
+            <p:ph type="sldImg"/>
+          </p:nvPr>
+        </p:nvSpPr>
+        <p:spPr>
+          <a:xfrm>
+            <a:off x="685800" y="1143000"/>
+            <a:ext cx="5486400" cy="3086100"/>
+          </a:xfrm>
+        </p:spPr>
+      </p:sp>
+      <p:sp>
+        <p:nvSpPr>
+          <p:cNvPr id="3" name="Espaço Reservado para Anotações 2"/>
+          <p:cNvSpPr>
+            <a:spLocks noGrp="1"/>
+          </p:cNvSpPr>
+          <p:nvPr>
+            <p:ph type="body" idx="1"/>
+          </p:nvPr>
+        </p:nvSpPr>
+        <p:spPr/>
+        <p:txBody>
+          <a:bodyPr/>
+          <a:lstStyle/>
+          <a:p>
+            <a:endParaRPr lang="pt-BR" dirty="0"/>
+          </a:p>
+        </p:txBody>
+      </p:sp>
+      <p:sp>
+        <p:nvSpPr>
+          <p:cNvPr id="4" name="Espaço Reservado para Número de Slide 3"/>
+          <p:cNvSpPr>
+            <a:spLocks noGrp="1"/>
+          </p:cNvSpPr>
+          <p:nvPr>
+            <p:ph type="sldNum" sz="quarter" idx="10"/>
+          </p:nvPr>
+        </p:nvSpPr>
+        <p:spPr/>
+        <p:txBody>
+          <a:bodyPr/>
+          <a:lstStyle/>
+          <a:p>
+            <a:fld id="{0A07FCD1-B351-4C29-854C-3D1A31FAA9E8}" type="slidenum">
+              <a:rPr lang="pt-BR" smtClean="0"/>
+              <a:pPr/>
+              <a:t>5</a:t>
+            </a:fld>
+            <a:endParaRPr lang="pt-BR"/>
+          </a:p>
+        </p:txBody>
+      </p:sp>
+    </p:spTree>
+    <p:extLst>
+      <p:ext uri="{BB962C8B-B14F-4D97-AF65-F5344CB8AC3E}">
+        <p14:creationId xmlns:p14="http://schemas.microsoft.com/office/powerpoint/2010/main" val="2309180085"/>
+      </p:ext>
+    </p:extLst>
+  </p:cSld>
+  <p:clrMapOvr>
+    <a:masterClrMapping/>
+  </p:clrMapOvr>
+</p:notes>
+</file>
+
+<file path=ppt/notesSlides/notesSlide6.xml><?xml version="1.0" encoding="utf-8"?>
+<p:notes xmlns:a="http://schemas.openxmlformats.org/drawingml/2006/main" xmlns:r="http://schemas.openxmlformats.org/officeDocument/2006/relationships" xmlns:p="http://schemas.openxmlformats.org/presentationml/2006/main">
+  <p:cSld>
+    <p:spTree>
+      <p:nvGrpSpPr>
+        <p:cNvPr id="1" name=""/>
+        <p:cNvGrpSpPr/>
+        <p:nvPr/>
+      </p:nvGrpSpPr>
+      <p:grpSpPr>
+        <a:xfrm>
+          <a:off x="0" y="0"/>
+          <a:ext cx="0" cy="0"/>
+          <a:chOff x="0" y="0"/>
+          <a:chExt cx="0" cy="0"/>
+        </a:xfrm>
+      </p:grpSpPr>
+      <p:sp>
+        <p:nvSpPr>
+          <p:cNvPr id="2" name="Espaço Reservado para Imagem de Slide 1"/>
+          <p:cNvSpPr>
+            <a:spLocks noGrp="1" noRot="1" noChangeAspect="1"/>
+          </p:cNvSpPr>
+          <p:nvPr>
+            <p:ph type="sldImg"/>
+          </p:nvPr>
+        </p:nvSpPr>
+        <p:spPr>
+          <a:xfrm>
+            <a:off x="685800" y="1143000"/>
+            <a:ext cx="5486400" cy="3086100"/>
+          </a:xfrm>
+        </p:spPr>
+      </p:sp>
+      <p:sp>
+        <p:nvSpPr>
+          <p:cNvPr id="3" name="Espaço Reservado para Anotações 2"/>
+          <p:cNvSpPr>
+            <a:spLocks noGrp="1"/>
+          </p:cNvSpPr>
+          <p:nvPr>
+            <p:ph type="body" idx="1"/>
+          </p:nvPr>
+        </p:nvSpPr>
+        <p:spPr/>
+        <p:txBody>
+          <a:bodyPr/>
+          <a:lstStyle/>
+          <a:p>
+            <a:endParaRPr lang="pt-BR" dirty="0"/>
+          </a:p>
+        </p:txBody>
+      </p:sp>
+      <p:sp>
+        <p:nvSpPr>
+          <p:cNvPr id="4" name="Espaço Reservado para Número de Slide 3"/>
+          <p:cNvSpPr>
+            <a:spLocks noGrp="1"/>
+          </p:cNvSpPr>
+          <p:nvPr>
+            <p:ph type="sldNum" sz="quarter" idx="10"/>
+          </p:nvPr>
+        </p:nvSpPr>
+        <p:spPr/>
+        <p:txBody>
+          <a:bodyPr/>
+          <a:lstStyle/>
+          <a:p>
+            <a:fld id="{0A07FCD1-B351-4C29-854C-3D1A31FAA9E8}" type="slidenum">
+              <a:rPr lang="pt-BR" smtClean="0"/>
+              <a:pPr/>
+              <a:t>6</a:t>
+            </a:fld>
+            <a:endParaRPr lang="pt-BR"/>
+          </a:p>
+        </p:txBody>
+      </p:sp>
+    </p:spTree>
+    <p:extLst>
+      <p:ext uri="{BB962C8B-B14F-4D97-AF65-F5344CB8AC3E}">
+        <p14:creationId xmlns:p14="http://schemas.microsoft.com/office/powerpoint/2010/main" val="625684684"/>
       </p:ext>
     </p:extLst>
   </p:cSld>
@@ -1076,7 +1345,7 @@
             <a:fld id="{2C54B80E-AF68-458E-B39B-78E3137EDE98}" type="datetimeFigureOut">
               <a:rPr lang="pt-BR" smtClean="0"/>
               <a:pPr/>
-              <a:t>14/06/2024</a:t>
+              <a:t>02/08/2024</a:t>
             </a:fld>
             <a:endParaRPr lang="pt-BR"/>
           </a:p>
@@ -1246,7 +1515,7 @@
             <a:fld id="{2C54B80E-AF68-458E-B39B-78E3137EDE98}" type="datetimeFigureOut">
               <a:rPr lang="pt-BR" smtClean="0"/>
               <a:pPr/>
-              <a:t>14/06/2024</a:t>
+              <a:t>02/08/2024</a:t>
             </a:fld>
             <a:endParaRPr lang="pt-BR"/>
           </a:p>
@@ -1426,7 +1695,7 @@
             <a:fld id="{2C54B80E-AF68-458E-B39B-78E3137EDE98}" type="datetimeFigureOut">
               <a:rPr lang="pt-BR" smtClean="0"/>
               <a:pPr/>
-              <a:t>14/06/2024</a:t>
+              <a:t>02/08/2024</a:t>
             </a:fld>
             <a:endParaRPr lang="pt-BR"/>
           </a:p>
@@ -1596,7 +1865,7 @@
             <a:fld id="{2C54B80E-AF68-458E-B39B-78E3137EDE98}" type="datetimeFigureOut">
               <a:rPr lang="pt-BR" smtClean="0"/>
               <a:pPr/>
-              <a:t>14/06/2024</a:t>
+              <a:t>02/08/2024</a:t>
             </a:fld>
             <a:endParaRPr lang="pt-BR"/>
           </a:p>
@@ -1843,7 +2112,7 @@
             <a:fld id="{2C54B80E-AF68-458E-B39B-78E3137EDE98}" type="datetimeFigureOut">
               <a:rPr lang="pt-BR" smtClean="0"/>
               <a:pPr/>
-              <a:t>14/06/2024</a:t>
+              <a:t>02/08/2024</a:t>
             </a:fld>
             <a:endParaRPr lang="pt-BR"/>
           </a:p>
@@ -2130,7 +2399,7 @@
             <a:fld id="{2C54B80E-AF68-458E-B39B-78E3137EDE98}" type="datetimeFigureOut">
               <a:rPr lang="pt-BR" smtClean="0"/>
               <a:pPr/>
-              <a:t>14/06/2024</a:t>
+              <a:t>02/08/2024</a:t>
             </a:fld>
             <a:endParaRPr lang="pt-BR"/>
           </a:p>
@@ -2551,7 +2820,7 @@
             <a:fld id="{2C54B80E-AF68-458E-B39B-78E3137EDE98}" type="datetimeFigureOut">
               <a:rPr lang="pt-BR" smtClean="0"/>
               <a:pPr/>
-              <a:t>14/06/2024</a:t>
+              <a:t>02/08/2024</a:t>
             </a:fld>
             <a:endParaRPr lang="pt-BR"/>
           </a:p>
@@ -2670,7 +2939,7 @@
             <a:fld id="{2C54B80E-AF68-458E-B39B-78E3137EDE98}" type="datetimeFigureOut">
               <a:rPr lang="pt-BR" smtClean="0"/>
               <a:pPr/>
-              <a:t>14/06/2024</a:t>
+              <a:t>02/08/2024</a:t>
             </a:fld>
             <a:endParaRPr lang="pt-BR"/>
           </a:p>
@@ -2767,7 +3036,7 @@
             <a:fld id="{2C54B80E-AF68-458E-B39B-78E3137EDE98}" type="datetimeFigureOut">
               <a:rPr lang="pt-BR" smtClean="0"/>
               <a:pPr/>
-              <a:t>14/06/2024</a:t>
+              <a:t>02/08/2024</a:t>
             </a:fld>
             <a:endParaRPr lang="pt-BR"/>
           </a:p>
@@ -3044,7 +3313,7 @@
             <a:fld id="{2C54B80E-AF68-458E-B39B-78E3137EDE98}" type="datetimeFigureOut">
               <a:rPr lang="pt-BR" smtClean="0"/>
               <a:pPr/>
-              <a:t>14/06/2024</a:t>
+              <a:t>02/08/2024</a:t>
             </a:fld>
             <a:endParaRPr lang="pt-BR"/>
           </a:p>
@@ -3298,7 +3567,7 @@
             <a:fld id="{2C54B80E-AF68-458E-B39B-78E3137EDE98}" type="datetimeFigureOut">
               <a:rPr lang="pt-BR" smtClean="0"/>
               <a:pPr/>
-              <a:t>14/06/2024</a:t>
+              <a:t>02/08/2024</a:t>
             </a:fld>
             <a:endParaRPr lang="pt-BR"/>
           </a:p>
@@ -3520,7 +3789,7 @@
             <a:fld id="{2C54B80E-AF68-458E-B39B-78E3137EDE98}" type="datetimeFigureOut">
               <a:rPr lang="pt-BR" smtClean="0"/>
               <a:pPr/>
-              <a:t>14/06/2024</a:t>
+              <a:t>02/08/2024</a:t>
             </a:fld>
             <a:endParaRPr lang="pt-BR"/>
           </a:p>
@@ -4150,8 +4419,8 @@
         </p:nvSpPr>
         <p:spPr>
           <a:xfrm>
-            <a:off x="767407" y="4291346"/>
-            <a:ext cx="7200800" cy="1015663"/>
+            <a:off x="551384" y="4577352"/>
+            <a:ext cx="7416823" cy="1015663"/>
           </a:xfrm>
           <a:prstGeom prst="rect">
             <a:avLst/>
@@ -4181,7 +4450,7 @@
                 </a:highlight>
                 <a:latin typeface="Google Sans"/>
               </a:rPr>
-              <a:t> Progressive </a:t>
+              <a:t> Progressive W</a:t>
             </a:r>
             <a:r>
               <a:rPr lang="pt-BR" sz="6000" b="1" i="0" dirty="0">
@@ -4200,7 +4469,7 @@
                 </a:highlight>
                 <a:latin typeface="Google Sans"/>
               </a:rPr>
-              <a:t>web</a:t>
+              <a:t>eb</a:t>
             </a:r>
             <a:r>
               <a:rPr lang="pt-BR" sz="6000" b="1" i="0" dirty="0">
@@ -4219,7 +4488,7 @@
                 </a:highlight>
                 <a:latin typeface="Google Sans"/>
               </a:rPr>
-              <a:t> app</a:t>
+              <a:t> App</a:t>
             </a:r>
             <a:r>
               <a:rPr lang="pt-BR" sz="6000" b="1" i="0" dirty="0">
@@ -5326,55 +5595,10 @@
       </p:sp>
       <p:pic>
         <p:nvPicPr>
-          <p:cNvPr id="5" name="Picture 2" descr="Como resolver erros de captura de tela em aparelhos com sistema operacional  Android 13 | Samsung BR">
+          <p:cNvPr id="24" name="Picture 8" descr="Google apresenta instabilidade nesta quinta-feira (17)">
             <a:extLst>
               <a:ext uri="{FF2B5EF4-FFF2-40B4-BE49-F238E27FC236}">
-                <a16:creationId xmlns:a16="http://schemas.microsoft.com/office/drawing/2014/main" id="{06B4B5A3-4559-2DFA-D871-B225448E563C}"/>
-              </a:ext>
-            </a:extLst>
-          </p:cNvPr>
-          <p:cNvPicPr>
-            <a:picLocks noChangeAspect="1" noChangeArrowheads="1"/>
-          </p:cNvPicPr>
-          <p:nvPr/>
-        </p:nvPicPr>
-        <p:blipFill rotWithShape="1">
-          <a:blip r:embed="rId6">
-            <a:extLst>
-              <a:ext uri="{28A0092B-C50C-407E-A947-70E740481C1C}">
-                <a14:useLocalDpi xmlns:a14="http://schemas.microsoft.com/office/drawing/2010/main" val="0"/>
-              </a:ext>
-            </a:extLst>
-          </a:blip>
-          <a:srcRect r="71293"/>
-          <a:stretch/>
-        </p:blipFill>
-        <p:spPr bwMode="auto">
-          <a:xfrm>
-            <a:off x="1310767" y="3702245"/>
-            <a:ext cx="1142475" cy="2360905"/>
-          </a:xfrm>
-          <a:prstGeom prst="rect">
-            <a:avLst/>
-          </a:prstGeom>
-          <a:noFill/>
-          <a:extLst>
-            <a:ext uri="{909E8E84-426E-40DD-AFC4-6F175D3DCCD1}">
-              <a14:hiddenFill xmlns:a14="http://schemas.microsoft.com/office/drawing/2010/main">
-                <a:solidFill>
-                  <a:srgbClr val="FFFFFF"/>
-                </a:solidFill>
-              </a14:hiddenFill>
-            </a:ext>
-          </a:extLst>
-        </p:spPr>
-      </p:pic>
-      <p:pic>
-        <p:nvPicPr>
-          <p:cNvPr id="7" name="Picture 18" descr="Windows® 11 e AMD">
-            <a:extLst>
-              <a:ext uri="{FF2B5EF4-FFF2-40B4-BE49-F238E27FC236}">
-                <a16:creationId xmlns:a16="http://schemas.microsoft.com/office/drawing/2014/main" id="{A31FCAD1-8D47-C5F5-3DB2-8997A7F23405}"/>
+                <a16:creationId xmlns:a16="http://schemas.microsoft.com/office/drawing/2014/main" id="{FACD71E6-C11B-B2E6-1D1D-9046DDFA313E}"/>
               </a:ext>
             </a:extLst>
           </p:cNvPr>
@@ -5384,7 +5608,7 @@
           <p:nvPr/>
         </p:nvPicPr>
         <p:blipFill>
-          <a:blip r:embed="rId7">
+          <a:blip r:embed="rId6">
             <a:extLst>
               <a:ext uri="{28A0092B-C50C-407E-A947-70E740481C1C}">
                 <a14:useLocalDpi xmlns:a14="http://schemas.microsoft.com/office/drawing/2010/main" val="0"/>
@@ -5398,8 +5622,8 @@
         </p:blipFill>
         <p:spPr bwMode="auto">
           <a:xfrm>
-            <a:off x="2348752" y="3451191"/>
-            <a:ext cx="5530212" cy="3111842"/>
+            <a:off x="780368" y="2348880"/>
+            <a:ext cx="6766837" cy="3806346"/>
           </a:xfrm>
           <a:prstGeom prst="rect">
             <a:avLst/>
@@ -5431,7 +5655,7 @@
           <p:nvPr/>
         </p:nvPicPr>
         <p:blipFill>
-          <a:blip r:embed="rId8" cstate="print">
+          <a:blip r:embed="rId7" cstate="print">
             <a:extLst>
               <a:ext uri="{28A0092B-C50C-407E-A947-70E740481C1C}">
                 <a14:useLocalDpi xmlns:a14="http://schemas.microsoft.com/office/drawing/2010/main" val="0"/>
@@ -5445,8 +5669,8 @@
         </p:blipFill>
         <p:spPr bwMode="auto">
           <a:xfrm>
-            <a:off x="3503712" y="1918355"/>
-            <a:ext cx="1267128" cy="1267128"/>
+            <a:off x="6665024" y="5301208"/>
+            <a:ext cx="1368152" cy="1368152"/>
           </a:xfrm>
           <a:prstGeom prst="rect">
             <a:avLst/>
@@ -5461,66 +5685,6 @@
               </a14:hiddenFill>
             </a:ext>
           </a:extLst>
-        </p:spPr>
-      </p:pic>
-      <p:pic>
-        <p:nvPicPr>
-          <p:cNvPr id="10" name="Imagem 9">
-            <a:extLst>
-              <a:ext uri="{FF2B5EF4-FFF2-40B4-BE49-F238E27FC236}">
-                <a16:creationId xmlns:a16="http://schemas.microsoft.com/office/drawing/2014/main" id="{114CC45B-CF6B-6272-C0BC-1D060DA4172B}"/>
-              </a:ext>
-            </a:extLst>
-          </p:cNvPr>
-          <p:cNvPicPr>
-            <a:picLocks noChangeAspect="1"/>
-          </p:cNvPicPr>
-          <p:nvPr/>
-        </p:nvPicPr>
-        <p:blipFill>
-          <a:blip r:embed="rId9"/>
-          <a:stretch>
-            <a:fillRect/>
-          </a:stretch>
-        </p:blipFill>
-        <p:spPr>
-          <a:xfrm>
-            <a:off x="4137276" y="3216315"/>
-            <a:ext cx="3610686" cy="2031011"/>
-          </a:xfrm>
-          <a:prstGeom prst="rect">
-            <a:avLst/>
-          </a:prstGeom>
-        </p:spPr>
-      </p:pic>
-      <p:pic>
-        <p:nvPicPr>
-          <p:cNvPr id="12" name="Imagem 11">
-            <a:extLst>
-              <a:ext uri="{FF2B5EF4-FFF2-40B4-BE49-F238E27FC236}">
-                <a16:creationId xmlns:a16="http://schemas.microsoft.com/office/drawing/2014/main" id="{6084F47E-32AC-7B95-45D4-D37E85DE9E3E}"/>
-              </a:ext>
-            </a:extLst>
-          </p:cNvPr>
-          <p:cNvPicPr>
-            <a:picLocks noChangeAspect="1"/>
-          </p:cNvPicPr>
-          <p:nvPr/>
-        </p:nvPicPr>
-        <p:blipFill>
-          <a:blip r:embed="rId10"/>
-          <a:stretch>
-            <a:fillRect/>
-          </a:stretch>
-        </p:blipFill>
-        <p:spPr>
-          <a:xfrm>
-            <a:off x="187074" y="1741444"/>
-            <a:ext cx="1694930" cy="3670548"/>
-          </a:xfrm>
-          <a:prstGeom prst="rect">
-            <a:avLst/>
-          </a:prstGeom>
         </p:spPr>
       </p:pic>
     </p:spTree>
@@ -5758,10 +5922,688 @@
           </a:prstGeom>
         </p:spPr>
       </p:pic>
+      <p:pic>
+        <p:nvPicPr>
+          <p:cNvPr id="2050" name="Picture 2" descr="UBER PWA">
+            <a:extLst>
+              <a:ext uri="{FF2B5EF4-FFF2-40B4-BE49-F238E27FC236}">
+                <a16:creationId xmlns:a16="http://schemas.microsoft.com/office/drawing/2014/main" id="{7C396D92-D548-196C-8669-219290491FD8}"/>
+              </a:ext>
+            </a:extLst>
+          </p:cNvPr>
+          <p:cNvPicPr>
+            <a:picLocks noChangeAspect="1" noChangeArrowheads="1"/>
+          </p:cNvPicPr>
+          <p:nvPr/>
+        </p:nvPicPr>
+        <p:blipFill>
+          <a:blip r:embed="rId6">
+            <a:extLst>
+              <a:ext uri="{28A0092B-C50C-407E-A947-70E740481C1C}">
+                <a14:useLocalDpi xmlns:a14="http://schemas.microsoft.com/office/drawing/2010/main" val="0"/>
+              </a:ext>
+            </a:extLst>
+          </a:blip>
+          <a:srcRect/>
+          <a:stretch>
+            <a:fillRect/>
+          </a:stretch>
+        </p:blipFill>
+        <p:spPr bwMode="auto">
+          <a:xfrm>
+            <a:off x="76767" y="2564904"/>
+            <a:ext cx="2283789" cy="4129749"/>
+          </a:xfrm>
+          <a:prstGeom prst="rect">
+            <a:avLst/>
+          </a:prstGeom>
+          <a:noFill/>
+          <a:extLst>
+            <a:ext uri="{909E8E84-426E-40DD-AFC4-6F175D3DCCD1}">
+              <a14:hiddenFill xmlns:a14="http://schemas.microsoft.com/office/drawing/2010/main">
+                <a:solidFill>
+                  <a:srgbClr val="FFFFFF"/>
+                </a:solidFill>
+              </a14:hiddenFill>
+            </a:ext>
+          </a:extLst>
+        </p:spPr>
+      </p:pic>
+      <p:pic>
+        <p:nvPicPr>
+          <p:cNvPr id="10" name="Imagem 9">
+            <a:extLst>
+              <a:ext uri="{FF2B5EF4-FFF2-40B4-BE49-F238E27FC236}">
+                <a16:creationId xmlns:a16="http://schemas.microsoft.com/office/drawing/2014/main" id="{4DFC6A9F-9058-DC70-C9B1-9523AF0C8C78}"/>
+              </a:ext>
+            </a:extLst>
+          </p:cNvPr>
+          <p:cNvPicPr>
+            <a:picLocks noChangeAspect="1"/>
+          </p:cNvPicPr>
+          <p:nvPr/>
+        </p:nvPicPr>
+        <p:blipFill>
+          <a:blip r:embed="rId7"/>
+          <a:stretch>
+            <a:fillRect/>
+          </a:stretch>
+        </p:blipFill>
+        <p:spPr>
+          <a:xfrm>
+            <a:off x="2495600" y="2311109"/>
+            <a:ext cx="5456451" cy="4011302"/>
+          </a:xfrm>
+          <a:prstGeom prst="rect">
+            <a:avLst/>
+          </a:prstGeom>
+        </p:spPr>
+      </p:pic>
+      <p:sp>
+        <p:nvSpPr>
+          <p:cNvPr id="12" name="CaixaDeTexto 11">
+            <a:extLst>
+              <a:ext uri="{FF2B5EF4-FFF2-40B4-BE49-F238E27FC236}">
+                <a16:creationId xmlns:a16="http://schemas.microsoft.com/office/drawing/2014/main" id="{83FF5D38-E770-E345-1DF8-DEED610E9253}"/>
+              </a:ext>
+            </a:extLst>
+          </p:cNvPr>
+          <p:cNvSpPr txBox="1"/>
+          <p:nvPr/>
+        </p:nvSpPr>
+        <p:spPr>
+          <a:xfrm>
+            <a:off x="510476" y="603900"/>
+            <a:ext cx="7416823" cy="1015663"/>
+          </a:xfrm>
+          <a:prstGeom prst="rect">
+            <a:avLst/>
+          </a:prstGeom>
+          <a:noFill/>
+        </p:spPr>
+        <p:txBody>
+          <a:bodyPr wrap="square" rtlCol="0">
+            <a:spAutoFit/>
+          </a:bodyPr>
+          <a:lstStyle/>
+          <a:p>
+            <a:r>
+              <a:rPr lang="pt-BR" sz="6000" b="1" i="0" dirty="0">
+                <a:solidFill>
+                  <a:srgbClr val="E8E8E8"/>
+                </a:solidFill>
+                <a:effectLst>
+                  <a:outerShdw blurRad="38100" dist="38100" dir="2700000" algn="tl">
+                    <a:srgbClr val="000000">
+                      <a:alpha val="43137"/>
+                    </a:srgbClr>
+                  </a:outerShdw>
+                </a:effectLst>
+                <a:highlight>
+                  <a:srgbClr val="1F1F1F"/>
+                </a:highlight>
+                <a:latin typeface="Google Sans"/>
+              </a:rPr>
+              <a:t> Progressive W</a:t>
+            </a:r>
+            <a:r>
+              <a:rPr lang="pt-BR" sz="6000" b="1" i="0" dirty="0">
+                <a:solidFill>
+                  <a:srgbClr val="5A0FC8"/>
+                </a:solidFill>
+                <a:effectLst>
+                  <a:outerShdw blurRad="38100" dist="38100" dir="2700000" algn="tl">
+                    <a:srgbClr val="000000">
+                      <a:alpha val="43137"/>
+                    </a:srgbClr>
+                  </a:outerShdw>
+                </a:effectLst>
+                <a:highlight>
+                  <a:srgbClr val="1F1F1F"/>
+                </a:highlight>
+                <a:latin typeface="Google Sans"/>
+              </a:rPr>
+              <a:t>eb</a:t>
+            </a:r>
+            <a:r>
+              <a:rPr lang="pt-BR" sz="6000" b="1" i="0" dirty="0">
+                <a:solidFill>
+                  <a:srgbClr val="E8E8E8"/>
+                </a:solidFill>
+                <a:effectLst>
+                  <a:outerShdw blurRad="38100" dist="38100" dir="2700000" algn="tl">
+                    <a:srgbClr val="000000">
+                      <a:alpha val="43137"/>
+                    </a:srgbClr>
+                  </a:outerShdw>
+                </a:effectLst>
+                <a:highlight>
+                  <a:srgbClr val="1F1F1F"/>
+                </a:highlight>
+                <a:latin typeface="Google Sans"/>
+              </a:rPr>
+              <a:t> App</a:t>
+            </a:r>
+            <a:r>
+              <a:rPr lang="pt-BR" sz="6000" b="1" i="0" dirty="0">
+                <a:solidFill>
+                  <a:srgbClr val="1F1F1F"/>
+                </a:solidFill>
+                <a:highlight>
+                  <a:srgbClr val="1F1F1F"/>
+                </a:highlight>
+                <a:latin typeface="Google Sans"/>
+              </a:rPr>
+              <a:t>-</a:t>
+            </a:r>
+            <a:r>
+              <a:rPr lang="pt-BR" sz="6000" b="1" i="0" dirty="0">
+                <a:solidFill>
+                  <a:srgbClr val="E8E8E8"/>
+                </a:solidFill>
+                <a:effectLst>
+                  <a:outerShdw blurRad="38100" dist="38100" dir="2700000" algn="tl">
+                    <a:srgbClr val="000000">
+                      <a:alpha val="43137"/>
+                    </a:srgbClr>
+                  </a:outerShdw>
+                </a:effectLst>
+                <a:highlight>
+                  <a:srgbClr val="1F1F1F"/>
+                </a:highlight>
+                <a:latin typeface="Google Sans"/>
+              </a:rPr>
+              <a:t> </a:t>
+            </a:r>
+            <a:endParaRPr lang="pt-BR" sz="6000" b="1" dirty="0">
+              <a:solidFill>
+                <a:schemeClr val="bg1"/>
+              </a:solidFill>
+              <a:effectLst>
+                <a:outerShdw blurRad="38100" dist="38100" dir="2700000" algn="tl">
+                  <a:srgbClr val="000000">
+                    <a:alpha val="43137"/>
+                  </a:srgbClr>
+                </a:outerShdw>
+              </a:effectLst>
+            </a:endParaRPr>
+          </a:p>
+        </p:txBody>
+      </p:sp>
     </p:spTree>
     <p:extLst>
       <p:ext uri="{BB962C8B-B14F-4D97-AF65-F5344CB8AC3E}">
         <p14:creationId xmlns:p14="http://schemas.microsoft.com/office/powerpoint/2010/main" val="3795355021"/>
+      </p:ext>
+    </p:extLst>
+  </p:cSld>
+  <p:clrMapOvr>
+    <a:masterClrMapping/>
+  </p:clrMapOvr>
+  <p:transition spd="slow"/>
+</p:sld>
+</file>
+
+<file path=ppt/slides/slide5.xml><?xml version="1.0" encoding="utf-8"?>
+<p:sld xmlns:a="http://schemas.openxmlformats.org/drawingml/2006/main" xmlns:r="http://schemas.openxmlformats.org/officeDocument/2006/relationships" xmlns:p="http://schemas.openxmlformats.org/presentationml/2006/main">
+  <p:cSld>
+    <p:spTree>
+      <p:nvGrpSpPr>
+        <p:cNvPr id="1" name=""/>
+        <p:cNvGrpSpPr/>
+        <p:nvPr/>
+      </p:nvGrpSpPr>
+      <p:grpSpPr>
+        <a:xfrm>
+          <a:off x="0" y="0"/>
+          <a:ext cx="0" cy="0"/>
+          <a:chOff x="0" y="0"/>
+          <a:chExt cx="0" cy="0"/>
+        </a:xfrm>
+      </p:grpSpPr>
+      <p:pic>
+        <p:nvPicPr>
+          <p:cNvPr id="1032" name="Picture 8" descr="https://lh5.ggpht.com/jZ8XCjpCQWWZ5GLhbjRAufsw3JXePHUJVfEvMH3D055ghq0dyiSP3YxfSc_czPhtCLSO=w300"/>
+          <p:cNvPicPr>
+            <a:picLocks noChangeAspect="1" noChangeArrowheads="1"/>
+          </p:cNvPicPr>
+          <p:nvPr/>
+        </p:nvPicPr>
+        <p:blipFill>
+          <a:blip r:embed="rId3" cstate="print">
+            <a:extLst>
+              <a:ext uri="{28A0092B-C50C-407E-A947-70E740481C1C}">
+                <a14:useLocalDpi xmlns:a14="http://schemas.microsoft.com/office/drawing/2010/main" val="0"/>
+              </a:ext>
+            </a:extLst>
+          </a:blip>
+          <a:srcRect/>
+          <a:stretch>
+            <a:fillRect/>
+          </a:stretch>
+        </p:blipFill>
+        <p:spPr bwMode="auto">
+          <a:xfrm>
+            <a:off x="8400256" y="123882"/>
+            <a:ext cx="1072870" cy="1072870"/>
+          </a:xfrm>
+          <a:prstGeom prst="rect">
+            <a:avLst/>
+          </a:prstGeom>
+          <a:noFill/>
+          <a:extLst>
+            <a:ext uri="{909E8E84-426E-40DD-AFC4-6F175D3DCCD1}">
+              <a14:hiddenFill xmlns:a14="http://schemas.microsoft.com/office/drawing/2010/main">
+                <a:solidFill>
+                  <a:srgbClr val="FFFFFF"/>
+                </a:solidFill>
+              </a14:hiddenFill>
+            </a:ext>
+          </a:extLst>
+        </p:spPr>
+      </p:pic>
+      <p:sp>
+        <p:nvSpPr>
+          <p:cNvPr id="4" name="CaixaDeTexto 3"/>
+          <p:cNvSpPr txBox="1"/>
+          <p:nvPr/>
+        </p:nvSpPr>
+        <p:spPr>
+          <a:xfrm>
+            <a:off x="9401118" y="252265"/>
+            <a:ext cx="1728192" cy="769441"/>
+          </a:xfrm>
+          <a:prstGeom prst="rect">
+            <a:avLst/>
+          </a:prstGeom>
+          <a:noFill/>
+        </p:spPr>
+        <p:txBody>
+          <a:bodyPr wrap="square" rtlCol="0">
+            <a:spAutoFit/>
+          </a:bodyPr>
+          <a:lstStyle/>
+          <a:p>
+            <a:r>
+              <a:rPr lang="pt-BR" sz="2200" b="1" dirty="0">
+                <a:solidFill>
+                  <a:schemeClr val="bg1"/>
+                </a:solidFill>
+              </a:rPr>
+              <a:t>Professor</a:t>
+            </a:r>
+          </a:p>
+          <a:p>
+            <a:r>
+              <a:rPr lang="pt-BR" sz="2200" b="1" dirty="0">
+                <a:solidFill>
+                  <a:schemeClr val="bg1"/>
+                </a:solidFill>
+              </a:rPr>
+              <a:t>José de Assis</a:t>
+            </a:r>
+          </a:p>
+        </p:txBody>
+      </p:sp>
+      <p:sp>
+        <p:nvSpPr>
+          <p:cNvPr id="6" name="Retângulo 5">
+            <a:extLst>
+              <a:ext uri="{FF2B5EF4-FFF2-40B4-BE49-F238E27FC236}">
+                <a16:creationId xmlns:a16="http://schemas.microsoft.com/office/drawing/2014/main" id="{AF4D6B15-AEC7-40F1-B687-2A78268FB0E5}"/>
+              </a:ext>
+            </a:extLst>
+          </p:cNvPr>
+          <p:cNvSpPr/>
+          <p:nvPr/>
+        </p:nvSpPr>
+        <p:spPr>
+          <a:xfrm>
+            <a:off x="8400256" y="1700808"/>
+            <a:ext cx="2628410" cy="3384376"/>
+          </a:xfrm>
+          <a:prstGeom prst="rect">
+            <a:avLst/>
+          </a:prstGeom>
+          <a:solidFill>
+            <a:schemeClr val="tx1"/>
+          </a:solidFill>
+          <a:ln>
+            <a:solidFill>
+              <a:schemeClr val="tx1"/>
+            </a:solidFill>
+          </a:ln>
+        </p:spPr>
+        <p:style>
+          <a:lnRef idx="2">
+            <a:schemeClr val="accent1">
+              <a:shade val="50000"/>
+            </a:schemeClr>
+          </a:lnRef>
+          <a:fillRef idx="1">
+            <a:schemeClr val="accent1"/>
+          </a:fillRef>
+          <a:effectRef idx="0">
+            <a:schemeClr val="accent1"/>
+          </a:effectRef>
+          <a:fontRef idx="minor">
+            <a:schemeClr val="lt1"/>
+          </a:fontRef>
+        </p:style>
+        <p:txBody>
+          <a:bodyPr rtlCol="0" anchor="ctr"/>
+          <a:lstStyle/>
+          <a:p>
+            <a:pPr algn="ctr"/>
+            <a:endParaRPr lang="pt-BR"/>
+          </a:p>
+        </p:txBody>
+      </p:sp>
+      <p:pic>
+        <p:nvPicPr>
+          <p:cNvPr id="2" name="Imagem 1"/>
+          <p:cNvPicPr>
+            <a:picLocks noChangeAspect="1"/>
+          </p:cNvPicPr>
+          <p:nvPr/>
+        </p:nvPicPr>
+        <p:blipFill>
+          <a:blip r:embed="rId4" cstate="print">
+            <a:extLst>
+              <a:ext uri="{28A0092B-C50C-407E-A947-70E740481C1C}">
+                <a14:useLocalDpi xmlns:a14="http://schemas.microsoft.com/office/drawing/2010/main" val="0"/>
+              </a:ext>
+            </a:extLst>
+          </a:blip>
+          <a:stretch>
+            <a:fillRect/>
+          </a:stretch>
+        </p:blipFill>
+        <p:spPr>
+          <a:xfrm>
+            <a:off x="8670344" y="2996952"/>
+            <a:ext cx="2034168" cy="2034168"/>
+          </a:xfrm>
+          <a:prstGeom prst="rect">
+            <a:avLst/>
+          </a:prstGeom>
+        </p:spPr>
+      </p:pic>
+      <p:pic>
+        <p:nvPicPr>
+          <p:cNvPr id="8" name="Imagem 7" descr="Uma imagem contendo Padrão do plano de fundo&#10;&#10;Descrição gerada automaticamente">
+            <a:extLst>
+              <a:ext uri="{FF2B5EF4-FFF2-40B4-BE49-F238E27FC236}">
+                <a16:creationId xmlns:a16="http://schemas.microsoft.com/office/drawing/2014/main" id="{F2864B46-DE2B-B6FF-7FDC-201CB8ECB72A}"/>
+              </a:ext>
+            </a:extLst>
+          </p:cNvPr>
+          <p:cNvPicPr>
+            <a:picLocks noChangeAspect="1"/>
+          </p:cNvPicPr>
+          <p:nvPr/>
+        </p:nvPicPr>
+        <p:blipFill>
+          <a:blip r:embed="rId5" cstate="print">
+            <a:extLst>
+              <a:ext uri="{28A0092B-C50C-407E-A947-70E740481C1C}">
+                <a14:useLocalDpi xmlns:a14="http://schemas.microsoft.com/office/drawing/2010/main" val="0"/>
+              </a:ext>
+            </a:extLst>
+          </a:blip>
+          <a:stretch>
+            <a:fillRect/>
+          </a:stretch>
+        </p:blipFill>
+        <p:spPr>
+          <a:xfrm>
+            <a:off x="8745843" y="1619579"/>
+            <a:ext cx="1937235" cy="729301"/>
+          </a:xfrm>
+          <a:prstGeom prst="rect">
+            <a:avLst/>
+          </a:prstGeom>
+        </p:spPr>
+      </p:pic>
+    </p:spTree>
+    <p:extLst>
+      <p:ext uri="{BB962C8B-B14F-4D97-AF65-F5344CB8AC3E}">
+        <p14:creationId xmlns:p14="http://schemas.microsoft.com/office/powerpoint/2010/main" val="226564435"/>
+      </p:ext>
+    </p:extLst>
+  </p:cSld>
+  <p:clrMapOvr>
+    <a:masterClrMapping/>
+  </p:clrMapOvr>
+  <p:transition spd="slow"/>
+</p:sld>
+</file>
+
+<file path=ppt/slides/slide6.xml><?xml version="1.0" encoding="utf-8"?>
+<p:sld xmlns:a="http://schemas.openxmlformats.org/drawingml/2006/main" xmlns:r="http://schemas.openxmlformats.org/officeDocument/2006/relationships" xmlns:p="http://schemas.openxmlformats.org/presentationml/2006/main">
+  <p:cSld>
+    <p:spTree>
+      <p:nvGrpSpPr>
+        <p:cNvPr id="1" name=""/>
+        <p:cNvGrpSpPr/>
+        <p:nvPr/>
+      </p:nvGrpSpPr>
+      <p:grpSpPr>
+        <a:xfrm>
+          <a:off x="0" y="0"/>
+          <a:ext cx="0" cy="0"/>
+          <a:chOff x="0" y="0"/>
+          <a:chExt cx="0" cy="0"/>
+        </a:xfrm>
+      </p:grpSpPr>
+      <p:pic>
+        <p:nvPicPr>
+          <p:cNvPr id="1032" name="Picture 8" descr="https://lh5.ggpht.com/jZ8XCjpCQWWZ5GLhbjRAufsw3JXePHUJVfEvMH3D055ghq0dyiSP3YxfSc_czPhtCLSO=w300"/>
+          <p:cNvPicPr>
+            <a:picLocks noChangeAspect="1" noChangeArrowheads="1"/>
+          </p:cNvPicPr>
+          <p:nvPr/>
+        </p:nvPicPr>
+        <p:blipFill>
+          <a:blip r:embed="rId3" cstate="print">
+            <a:extLst>
+              <a:ext uri="{28A0092B-C50C-407E-A947-70E740481C1C}">
+                <a14:useLocalDpi xmlns:a14="http://schemas.microsoft.com/office/drawing/2010/main" val="0"/>
+              </a:ext>
+            </a:extLst>
+          </a:blip>
+          <a:srcRect/>
+          <a:stretch>
+            <a:fillRect/>
+          </a:stretch>
+        </p:blipFill>
+        <p:spPr bwMode="auto">
+          <a:xfrm>
+            <a:off x="8400256" y="123882"/>
+            <a:ext cx="1072870" cy="1072870"/>
+          </a:xfrm>
+          <a:prstGeom prst="rect">
+            <a:avLst/>
+          </a:prstGeom>
+          <a:noFill/>
+          <a:extLst>
+            <a:ext uri="{909E8E84-426E-40DD-AFC4-6F175D3DCCD1}">
+              <a14:hiddenFill xmlns:a14="http://schemas.microsoft.com/office/drawing/2010/main">
+                <a:solidFill>
+                  <a:srgbClr val="FFFFFF"/>
+                </a:solidFill>
+              </a14:hiddenFill>
+            </a:ext>
+          </a:extLst>
+        </p:spPr>
+      </p:pic>
+      <p:sp>
+        <p:nvSpPr>
+          <p:cNvPr id="4" name="CaixaDeTexto 3"/>
+          <p:cNvSpPr txBox="1"/>
+          <p:nvPr/>
+        </p:nvSpPr>
+        <p:spPr>
+          <a:xfrm>
+            <a:off x="9401118" y="252265"/>
+            <a:ext cx="1728192" cy="769441"/>
+          </a:xfrm>
+          <a:prstGeom prst="rect">
+            <a:avLst/>
+          </a:prstGeom>
+          <a:noFill/>
+        </p:spPr>
+        <p:txBody>
+          <a:bodyPr wrap="square" rtlCol="0">
+            <a:spAutoFit/>
+          </a:bodyPr>
+          <a:lstStyle/>
+          <a:p>
+            <a:r>
+              <a:rPr lang="pt-BR" sz="2200" b="1" dirty="0">
+                <a:solidFill>
+                  <a:schemeClr val="bg1"/>
+                </a:solidFill>
+              </a:rPr>
+              <a:t>Professor</a:t>
+            </a:r>
+          </a:p>
+          <a:p>
+            <a:r>
+              <a:rPr lang="pt-BR" sz="2200" b="1" dirty="0">
+                <a:solidFill>
+                  <a:schemeClr val="bg1"/>
+                </a:solidFill>
+              </a:rPr>
+              <a:t>José de Assis</a:t>
+            </a:r>
+          </a:p>
+        </p:txBody>
+      </p:sp>
+      <p:sp>
+        <p:nvSpPr>
+          <p:cNvPr id="6" name="Retângulo 5">
+            <a:extLst>
+              <a:ext uri="{FF2B5EF4-FFF2-40B4-BE49-F238E27FC236}">
+                <a16:creationId xmlns:a16="http://schemas.microsoft.com/office/drawing/2014/main" id="{AF4D6B15-AEC7-40F1-B687-2A78268FB0E5}"/>
+              </a:ext>
+            </a:extLst>
+          </p:cNvPr>
+          <p:cNvSpPr/>
+          <p:nvPr/>
+        </p:nvSpPr>
+        <p:spPr>
+          <a:xfrm>
+            <a:off x="8400256" y="1700808"/>
+            <a:ext cx="2628410" cy="3384376"/>
+          </a:xfrm>
+          <a:prstGeom prst="rect">
+            <a:avLst/>
+          </a:prstGeom>
+          <a:solidFill>
+            <a:schemeClr val="tx1"/>
+          </a:solidFill>
+          <a:ln>
+            <a:solidFill>
+              <a:schemeClr val="tx1"/>
+            </a:solidFill>
+          </a:ln>
+        </p:spPr>
+        <p:style>
+          <a:lnRef idx="2">
+            <a:schemeClr val="accent1">
+              <a:shade val="50000"/>
+            </a:schemeClr>
+          </a:lnRef>
+          <a:fillRef idx="1">
+            <a:schemeClr val="accent1"/>
+          </a:fillRef>
+          <a:effectRef idx="0">
+            <a:schemeClr val="accent1"/>
+          </a:effectRef>
+          <a:fontRef idx="minor">
+            <a:schemeClr val="lt1"/>
+          </a:fontRef>
+        </p:style>
+        <p:txBody>
+          <a:bodyPr rtlCol="0" anchor="ctr"/>
+          <a:lstStyle/>
+          <a:p>
+            <a:pPr algn="ctr"/>
+            <a:endParaRPr lang="pt-BR"/>
+          </a:p>
+        </p:txBody>
+      </p:sp>
+      <p:pic>
+        <p:nvPicPr>
+          <p:cNvPr id="2" name="Imagem 1"/>
+          <p:cNvPicPr>
+            <a:picLocks noChangeAspect="1"/>
+          </p:cNvPicPr>
+          <p:nvPr/>
+        </p:nvPicPr>
+        <p:blipFill>
+          <a:blip r:embed="rId4" cstate="print">
+            <a:extLst>
+              <a:ext uri="{28A0092B-C50C-407E-A947-70E740481C1C}">
+                <a14:useLocalDpi xmlns:a14="http://schemas.microsoft.com/office/drawing/2010/main" val="0"/>
+              </a:ext>
+            </a:extLst>
+          </a:blip>
+          <a:stretch>
+            <a:fillRect/>
+          </a:stretch>
+        </p:blipFill>
+        <p:spPr>
+          <a:xfrm>
+            <a:off x="8670344" y="2996952"/>
+            <a:ext cx="2034168" cy="2034168"/>
+          </a:xfrm>
+          <a:prstGeom prst="rect">
+            <a:avLst/>
+          </a:prstGeom>
+        </p:spPr>
+      </p:pic>
+      <p:pic>
+        <p:nvPicPr>
+          <p:cNvPr id="8" name="Imagem 7" descr="Uma imagem contendo Padrão do plano de fundo&#10;&#10;Descrição gerada automaticamente">
+            <a:extLst>
+              <a:ext uri="{FF2B5EF4-FFF2-40B4-BE49-F238E27FC236}">
+                <a16:creationId xmlns:a16="http://schemas.microsoft.com/office/drawing/2014/main" id="{F2864B46-DE2B-B6FF-7FDC-201CB8ECB72A}"/>
+              </a:ext>
+            </a:extLst>
+          </p:cNvPr>
+          <p:cNvPicPr>
+            <a:picLocks noChangeAspect="1"/>
+          </p:cNvPicPr>
+          <p:nvPr/>
+        </p:nvPicPr>
+        <p:blipFill>
+          <a:blip r:embed="rId5" cstate="print">
+            <a:extLst>
+              <a:ext uri="{28A0092B-C50C-407E-A947-70E740481C1C}">
+                <a14:useLocalDpi xmlns:a14="http://schemas.microsoft.com/office/drawing/2010/main" val="0"/>
+              </a:ext>
+            </a:extLst>
+          </a:blip>
+          <a:stretch>
+            <a:fillRect/>
+          </a:stretch>
+        </p:blipFill>
+        <p:spPr>
+          <a:xfrm>
+            <a:off x="8745843" y="1619579"/>
+            <a:ext cx="1937235" cy="729301"/>
+          </a:xfrm>
+          <a:prstGeom prst="rect">
+            <a:avLst/>
+          </a:prstGeom>
+        </p:spPr>
+      </p:pic>
+    </p:spTree>
+    <p:extLst>
+      <p:ext uri="{BB962C8B-B14F-4D97-AF65-F5344CB8AC3E}">
+        <p14:creationId xmlns:p14="http://schemas.microsoft.com/office/powerpoint/2010/main" val="1486801134"/>
       </p:ext>
     </p:extLst>
   </p:cSld>
@@ -6328,6 +7170,12 @@
 </file>
 
 <file path=customXml/item2.xml><?xml version="1.0" encoding="utf-8"?>
+<p:properties xmlns:p="http://schemas.microsoft.com/office/2006/metadata/properties" xmlns:xsi="http://www.w3.org/2001/XMLSchema-instance" xmlns:pc="http://schemas.microsoft.com/office/infopath/2007/PartnerControls">
+  <documentManagement/>
+</p:properties>
+</file>
+
+<file path=customXml/item3.xml><?xml version="1.0" encoding="utf-8"?>
 <ct:contentTypeSchema xmlns:ct="http://schemas.microsoft.com/office/2006/metadata/contentType" xmlns:ma="http://schemas.microsoft.com/office/2006/metadata/properties/metaAttributes" ct:_="" ma:_="" ma:contentTypeName="Documento" ma:contentTypeID="0x010100D4D1DC28F29C974FA07604D3ECFC6799" ma:contentTypeVersion="2" ma:contentTypeDescription="Crie um novo documento." ma:contentTypeScope="" ma:versionID="d4b4e50e42eb44091cb8409e521f913b">
   <xsd:schema xmlns:xsd="http://www.w3.org/2001/XMLSchema" xmlns:xs="http://www.w3.org/2001/XMLSchema" xmlns:p="http://schemas.microsoft.com/office/2006/metadata/properties" xmlns:ns3="14574ce6-301b-47cb-8276-6e72aa0f0e3a" targetNamespace="http://schemas.microsoft.com/office/2006/metadata/properties" ma:root="true" ma:fieldsID="97748b2084dc84c87a8f022ecc989ba1" ns3:_="">
     <xsd:import namespace="14574ce6-301b-47cb-8276-6e72aa0f0e3a"/>
@@ -6459,12 +7307,6 @@
 </ct:contentTypeSchema>
 </file>
 
-<file path=customXml/item3.xml><?xml version="1.0" encoding="utf-8"?>
-<p:properties xmlns:p="http://schemas.microsoft.com/office/2006/metadata/properties" xmlns:xsi="http://www.w3.org/2001/XMLSchema-instance" xmlns:pc="http://schemas.microsoft.com/office/infopath/2007/PartnerControls">
-  <documentManagement/>
-</p:properties>
-</file>
-
 <file path=customXml/itemProps1.xml><?xml version="1.0" encoding="utf-8"?>
 <ds:datastoreItem xmlns:ds="http://schemas.openxmlformats.org/officeDocument/2006/customXml" ds:itemID="{853054B7-E3D1-4770-8C4E-53207667C8CB}">
   <ds:schemaRefs>
@@ -6474,6 +7316,22 @@
 </file>
 
 <file path=customXml/itemProps2.xml><?xml version="1.0" encoding="utf-8"?>
+<ds:datastoreItem xmlns:ds="http://schemas.openxmlformats.org/officeDocument/2006/customXml" ds:itemID="{90AF3804-657C-45DB-8C38-DCDD5568E1A5}">
+  <ds:schemaRefs>
+    <ds:schemaRef ds:uri="http://schemas.microsoft.com/office/2006/metadata/properties"/>
+    <ds:schemaRef ds:uri="http://schemas.microsoft.com/office/2006/documentManagement/types"/>
+    <ds:schemaRef ds:uri="http://www.w3.org/XML/1998/namespace"/>
+    <ds:schemaRef ds:uri="http://purl.org/dc/terms/"/>
+    <ds:schemaRef ds:uri="http://purl.org/dc/elements/1.1/"/>
+    <ds:schemaRef ds:uri="http://schemas.openxmlformats.org/package/2006/metadata/core-properties"/>
+    <ds:schemaRef ds:uri="http://schemas.microsoft.com/office/infopath/2007/PartnerControls"/>
+    <ds:schemaRef ds:uri="14574ce6-301b-47cb-8276-6e72aa0f0e3a"/>
+    <ds:schemaRef ds:uri="http://purl.org/dc/dcmitype/"/>
+  </ds:schemaRefs>
+</ds:datastoreItem>
+</file>
+
+<file path=customXml/itemProps3.xml><?xml version="1.0" encoding="utf-8"?>
 <ds:datastoreItem xmlns:ds="http://schemas.openxmlformats.org/officeDocument/2006/customXml" ds:itemID="{9EF73AD2-1E39-4800-809C-71389102E994}">
   <ds:schemaRefs>
     <ds:schemaRef ds:uri="http://schemas.microsoft.com/office/2006/metadata/contentType"/>
@@ -6489,20 +7347,4 @@
     <ds:schemaRef ds:uri="http://schemas.microsoft.com/internal/obd"/>
   </ds:schemaRefs>
 </ds:datastoreItem>
-</file>
-
-<file path=customXml/itemProps3.xml><?xml version="1.0" encoding="utf-8"?>
-<ds:datastoreItem xmlns:ds="http://schemas.openxmlformats.org/officeDocument/2006/customXml" ds:itemID="{90AF3804-657C-45DB-8C38-DCDD5568E1A5}">
-  <ds:schemaRefs>
-    <ds:schemaRef ds:uri="http://schemas.microsoft.com/office/2006/metadata/properties"/>
-    <ds:schemaRef ds:uri="http://schemas.microsoft.com/office/2006/documentManagement/types"/>
-    <ds:schemaRef ds:uri="http://www.w3.org/XML/1998/namespace"/>
-    <ds:schemaRef ds:uri="http://purl.org/dc/terms/"/>
-    <ds:schemaRef ds:uri="http://purl.org/dc/elements/1.1/"/>
-    <ds:schemaRef ds:uri="http://schemas.openxmlformats.org/package/2006/metadata/core-properties"/>
-    <ds:schemaRef ds:uri="http://schemas.microsoft.com/office/infopath/2007/PartnerControls"/>
-    <ds:schemaRef ds:uri="14574ce6-301b-47cb-8276-6e72aa0f0e3a"/>
-    <ds:schemaRef ds:uri="http://purl.org/dc/dcmitype/"/>
-  </ds:schemaRefs>
-</ds:datastoreItem>
 </file>
--- a/tutorial/pwa.pptx
+++ b/tutorial/pwa.pptx
@@ -559,11 +559,6 @@
               <a:rPr lang="pt-BR" dirty="0"/>
               <a:t> podem acessar recursos de hardware do dispositivo, como a câmera e a geolocalização. </a:t>
             </a:r>
-            <a:r>
-              <a:rPr lang="pt-BR"/>
-              <a:t>Eles combinam o melhor dos sites e dos aplicativos nativos, oferecendo uma experiência de usuário avançada e fluida.</a:t>
-            </a:r>
-            <a:endParaRPr lang="pt-BR" dirty="0"/>
           </a:p>
         </p:txBody>
       </p:sp>
@@ -942,8 +937,12 @@
           <a:lstStyle/>
           <a:p>
             <a:r>
+              <a:rPr lang="pt-BR"/>
+              <a:t>Os PWAS </a:t>
+            </a:r>
+            <a:r>
               <a:rPr lang="pt-BR" dirty="0"/>
-              <a:t>Progressive Web App é uma aplicação web avançada que pode ser instalada no dispositivo, oferecendo uma experiência similar à de um aplicativo nativo.</a:t>
+              <a:t>combinam o melhor dos sites e dos aplicativos nativos, oferecendo uma experiência de usuário avançada e fluida.</a:t>
             </a:r>
           </a:p>
         </p:txBody>
@@ -7170,12 +7169,6 @@
 </file>
 
 <file path=customXml/item2.xml><?xml version="1.0" encoding="utf-8"?>
-<p:properties xmlns:p="http://schemas.microsoft.com/office/2006/metadata/properties" xmlns:xsi="http://www.w3.org/2001/XMLSchema-instance" xmlns:pc="http://schemas.microsoft.com/office/infopath/2007/PartnerControls">
-  <documentManagement/>
-</p:properties>
-</file>
-
-<file path=customXml/item3.xml><?xml version="1.0" encoding="utf-8"?>
 <ct:contentTypeSchema xmlns:ct="http://schemas.microsoft.com/office/2006/metadata/contentType" xmlns:ma="http://schemas.microsoft.com/office/2006/metadata/properties/metaAttributes" ct:_="" ma:_="" ma:contentTypeName="Documento" ma:contentTypeID="0x010100D4D1DC28F29C974FA07604D3ECFC6799" ma:contentTypeVersion="2" ma:contentTypeDescription="Crie um novo documento." ma:contentTypeScope="" ma:versionID="d4b4e50e42eb44091cb8409e521f913b">
   <xsd:schema xmlns:xsd="http://www.w3.org/2001/XMLSchema" xmlns:xs="http://www.w3.org/2001/XMLSchema" xmlns:p="http://schemas.microsoft.com/office/2006/metadata/properties" xmlns:ns3="14574ce6-301b-47cb-8276-6e72aa0f0e3a" targetNamespace="http://schemas.microsoft.com/office/2006/metadata/properties" ma:root="true" ma:fieldsID="97748b2084dc84c87a8f022ecc989ba1" ns3:_="">
     <xsd:import namespace="14574ce6-301b-47cb-8276-6e72aa0f0e3a"/>
@@ -7307,6 +7300,12 @@
 </ct:contentTypeSchema>
 </file>
 
+<file path=customXml/item3.xml><?xml version="1.0" encoding="utf-8"?>
+<p:properties xmlns:p="http://schemas.microsoft.com/office/2006/metadata/properties" xmlns:xsi="http://www.w3.org/2001/XMLSchema-instance" xmlns:pc="http://schemas.microsoft.com/office/infopath/2007/PartnerControls">
+  <documentManagement/>
+</p:properties>
+</file>
+
 <file path=customXml/itemProps1.xml><?xml version="1.0" encoding="utf-8"?>
 <ds:datastoreItem xmlns:ds="http://schemas.openxmlformats.org/officeDocument/2006/customXml" ds:itemID="{853054B7-E3D1-4770-8C4E-53207667C8CB}">
   <ds:schemaRefs>
@@ -7316,22 +7315,6 @@
 </file>
 
 <file path=customXml/itemProps2.xml><?xml version="1.0" encoding="utf-8"?>
-<ds:datastoreItem xmlns:ds="http://schemas.openxmlformats.org/officeDocument/2006/customXml" ds:itemID="{90AF3804-657C-45DB-8C38-DCDD5568E1A5}">
-  <ds:schemaRefs>
-    <ds:schemaRef ds:uri="http://schemas.microsoft.com/office/2006/metadata/properties"/>
-    <ds:schemaRef ds:uri="http://schemas.microsoft.com/office/2006/documentManagement/types"/>
-    <ds:schemaRef ds:uri="http://www.w3.org/XML/1998/namespace"/>
-    <ds:schemaRef ds:uri="http://purl.org/dc/terms/"/>
-    <ds:schemaRef ds:uri="http://purl.org/dc/elements/1.1/"/>
-    <ds:schemaRef ds:uri="http://schemas.openxmlformats.org/package/2006/metadata/core-properties"/>
-    <ds:schemaRef ds:uri="http://schemas.microsoft.com/office/infopath/2007/PartnerControls"/>
-    <ds:schemaRef ds:uri="14574ce6-301b-47cb-8276-6e72aa0f0e3a"/>
-    <ds:schemaRef ds:uri="http://purl.org/dc/dcmitype/"/>
-  </ds:schemaRefs>
-</ds:datastoreItem>
-</file>
-
-<file path=customXml/itemProps3.xml><?xml version="1.0" encoding="utf-8"?>
 <ds:datastoreItem xmlns:ds="http://schemas.openxmlformats.org/officeDocument/2006/customXml" ds:itemID="{9EF73AD2-1E39-4800-809C-71389102E994}">
   <ds:schemaRefs>
     <ds:schemaRef ds:uri="http://schemas.microsoft.com/office/2006/metadata/contentType"/>
@@ -7347,4 +7330,20 @@
     <ds:schemaRef ds:uri="http://schemas.microsoft.com/internal/obd"/>
   </ds:schemaRefs>
 </ds:datastoreItem>
+</file>
+
+<file path=customXml/itemProps3.xml><?xml version="1.0" encoding="utf-8"?>
+<ds:datastoreItem xmlns:ds="http://schemas.openxmlformats.org/officeDocument/2006/customXml" ds:itemID="{90AF3804-657C-45DB-8C38-DCDD5568E1A5}">
+  <ds:schemaRefs>
+    <ds:schemaRef ds:uri="http://schemas.microsoft.com/office/2006/metadata/properties"/>
+    <ds:schemaRef ds:uri="http://schemas.microsoft.com/office/2006/documentManagement/types"/>
+    <ds:schemaRef ds:uri="http://www.w3.org/XML/1998/namespace"/>
+    <ds:schemaRef ds:uri="http://purl.org/dc/terms/"/>
+    <ds:schemaRef ds:uri="http://purl.org/dc/elements/1.1/"/>
+    <ds:schemaRef ds:uri="http://schemas.openxmlformats.org/package/2006/metadata/core-properties"/>
+    <ds:schemaRef ds:uri="http://schemas.microsoft.com/office/infopath/2007/PartnerControls"/>
+    <ds:schemaRef ds:uri="14574ce6-301b-47cb-8276-6e72aa0f0e3a"/>
+    <ds:schemaRef ds:uri="http://purl.org/dc/dcmitype/"/>
+  </ds:schemaRefs>
+</ds:datastoreItem>
 </file>